--- a/class_materials/class1/Class01_IntroConnectomics_2016.pptx
+++ b/class_materials/class1/Class01_IntroConnectomics_2016.pptx
@@ -5,7 +5,7 @@
     <p:sldMasterId id="2147483787" r:id="rId1"/>
   </p:sldMasterIdLst>
   <p:notesMasterIdLst>
-    <p:notesMasterId r:id="rId18"/>
+    <p:notesMasterId r:id="rId17"/>
   </p:notesMasterIdLst>
   <p:sldIdLst>
     <p:sldId id="336" r:id="rId2"/>
@@ -22,8 +22,7 @@
     <p:sldId id="506" r:id="rId13"/>
     <p:sldId id="503" r:id="rId14"/>
     <p:sldId id="507" r:id="rId15"/>
-    <p:sldId id="505" r:id="rId16"/>
-    <p:sldId id="504" r:id="rId17"/>
+    <p:sldId id="504" r:id="rId16"/>
   </p:sldIdLst>
   <p:sldSz cx="9144000" cy="6858000" type="screen4x3"/>
   <p:notesSz cx="6858000" cy="9144000"/>
@@ -141,7 +140,6 @@
             <p14:sldId id="506"/>
             <p14:sldId id="503"/>
             <p14:sldId id="507"/>
-            <p14:sldId id="505"/>
             <p14:sldId id="504"/>
           </p14:sldIdLst>
         </p14:section>
@@ -14616,304 +14614,6 @@
 </file>
 
 <file path=ppt/slides/slide15.xml><?xml version="1.0" encoding="utf-8"?>
-<p:sld xmlns:a="http://schemas.openxmlformats.org/drawingml/2006/main" xmlns:r="http://schemas.openxmlformats.org/officeDocument/2006/relationships" xmlns:p="http://schemas.openxmlformats.org/presentationml/2006/main">
-  <p:cSld>
-    <p:spTree>
-      <p:nvGrpSpPr>
-        <p:cNvPr id="1" name=""/>
-        <p:cNvGrpSpPr/>
-        <p:nvPr/>
-      </p:nvGrpSpPr>
-      <p:grpSpPr>
-        <a:xfrm>
-          <a:off x="0" y="0"/>
-          <a:ext cx="0" cy="0"/>
-          <a:chOff x="0" y="0"/>
-          <a:chExt cx="0" cy="0"/>
-        </a:xfrm>
-      </p:grpSpPr>
-      <p:sp>
-        <p:nvSpPr>
-          <p:cNvPr id="2" name="Title 1"/>
-          <p:cNvSpPr>
-            <a:spLocks noGrp="1"/>
-          </p:cNvSpPr>
-          <p:nvPr>
-            <p:ph type="title"/>
-          </p:nvPr>
-        </p:nvSpPr>
-        <p:spPr/>
-        <p:txBody>
-          <a:bodyPr/>
-          <a:lstStyle/>
-          <a:p>
-            <a:r>
-              <a:rPr lang="en-US" dirty="0" smtClean="0"/>
-              <a:t>Project Descriptions</a:t>
-            </a:r>
-            <a:endParaRPr lang="en-US" dirty="0"/>
-          </a:p>
-        </p:txBody>
-      </p:sp>
-      <p:sp>
-        <p:nvSpPr>
-          <p:cNvPr id="3" name="Content Placeholder 2"/>
-          <p:cNvSpPr>
-            <a:spLocks noGrp="1"/>
-          </p:cNvSpPr>
-          <p:nvPr>
-            <p:ph idx="1"/>
-          </p:nvPr>
-        </p:nvSpPr>
-        <p:spPr>
-          <a:xfrm>
-            <a:off x="286382" y="1170497"/>
-            <a:ext cx="8490065" cy="5602561"/>
-          </a:xfrm>
-        </p:spPr>
-        <p:txBody>
-          <a:bodyPr>
-            <a:normAutofit fontScale="70000" lnSpcReduction="20000"/>
-          </a:bodyPr>
-          <a:lstStyle/>
-          <a:p>
-            <a:pPr>
-              <a:lnSpc>
-                <a:spcPct val="120000"/>
-              </a:lnSpc>
-              <a:spcBef>
-                <a:spcPts val="200"/>
-              </a:spcBef>
-            </a:pPr>
-            <a:r>
-              <a:rPr lang="en-US" dirty="0" smtClean="0"/>
-              <a:t>** Exploitable biological priors [Neuroscience, Computer Vision]</a:t>
-            </a:r>
-          </a:p>
-          <a:p>
-            <a:pPr>
-              <a:lnSpc>
-                <a:spcPct val="120000"/>
-              </a:lnSpc>
-              <a:spcBef>
-                <a:spcPts val="200"/>
-              </a:spcBef>
-            </a:pPr>
-            <a:r>
-              <a:rPr lang="en-US" dirty="0" smtClean="0"/>
-              <a:t>** Validating an EM connectome [Neuroscience, Computer Vision]</a:t>
-            </a:r>
-          </a:p>
-          <a:p>
-            <a:pPr>
-              <a:lnSpc>
-                <a:spcPct val="120000"/>
-              </a:lnSpc>
-              <a:spcBef>
-                <a:spcPts val="200"/>
-              </a:spcBef>
-            </a:pPr>
-            <a:r>
-              <a:rPr lang="en-US" dirty="0" smtClean="0"/>
-              <a:t>Vesicle Detection [Computer Vision]</a:t>
-            </a:r>
-          </a:p>
-          <a:p>
-            <a:pPr>
-              <a:lnSpc>
-                <a:spcPct val="120000"/>
-              </a:lnSpc>
-              <a:spcBef>
-                <a:spcPts val="200"/>
-              </a:spcBef>
-            </a:pPr>
-            <a:r>
-              <a:rPr lang="en-US" dirty="0" smtClean="0"/>
-              <a:t>** Mitochondria Detection [Computer Vision]</a:t>
-            </a:r>
-          </a:p>
-          <a:p>
-            <a:pPr>
-              <a:lnSpc>
-                <a:spcPct val="120000"/>
-              </a:lnSpc>
-              <a:spcBef>
-                <a:spcPts val="200"/>
-              </a:spcBef>
-            </a:pPr>
-            <a:r>
-              <a:rPr lang="en-US" dirty="0" smtClean="0"/>
-              <a:t>** Validating an MR Connectome [Neuroscience, Engineering]</a:t>
-            </a:r>
-          </a:p>
-          <a:p>
-            <a:pPr>
-              <a:lnSpc>
-                <a:spcPct val="120000"/>
-              </a:lnSpc>
-              <a:spcBef>
-                <a:spcPts val="200"/>
-              </a:spcBef>
-            </a:pPr>
-            <a:r>
-              <a:rPr lang="en-US" dirty="0" smtClean="0"/>
-              <a:t>** Web viewer for EM Annotations, 3D </a:t>
-            </a:r>
-            <a:r>
-              <a:rPr lang="en-US" dirty="0"/>
-              <a:t>printing (might split into two projects) [Visualization</a:t>
-            </a:r>
-            <a:r>
-              <a:rPr lang="en-US" dirty="0" smtClean="0"/>
-              <a:t>]</a:t>
-            </a:r>
-          </a:p>
-          <a:p>
-            <a:pPr>
-              <a:lnSpc>
-                <a:spcPct val="120000"/>
-              </a:lnSpc>
-              <a:spcBef>
-                <a:spcPts val="200"/>
-              </a:spcBef>
-            </a:pPr>
-            <a:r>
-              <a:rPr lang="en-US" dirty="0" smtClean="0"/>
-              <a:t>** Web viewer for graph data [Computer Science, Applied Math]</a:t>
-            </a:r>
-          </a:p>
-          <a:p>
-            <a:pPr>
-              <a:lnSpc>
-                <a:spcPct val="120000"/>
-              </a:lnSpc>
-              <a:spcBef>
-                <a:spcPts val="200"/>
-              </a:spcBef>
-            </a:pPr>
-            <a:r>
-              <a:rPr lang="en-US" dirty="0" smtClean="0"/>
-              <a:t>** Exploiting brain graphs – mining structure to learn new insights (might split this into two projects) [Graph Theory]</a:t>
-            </a:r>
-          </a:p>
-          <a:p>
-            <a:pPr>
-              <a:lnSpc>
-                <a:spcPct val="120000"/>
-              </a:lnSpc>
-              <a:spcBef>
-                <a:spcPts val="200"/>
-              </a:spcBef>
-            </a:pPr>
-            <a:r>
-              <a:rPr lang="en-US" dirty="0" smtClean="0"/>
-              <a:t>Statistical query replication using the API [Programming, Math]</a:t>
-            </a:r>
-          </a:p>
-          <a:p>
-            <a:pPr>
-              <a:lnSpc>
-                <a:spcPct val="120000"/>
-              </a:lnSpc>
-              <a:spcBef>
-                <a:spcPts val="200"/>
-              </a:spcBef>
-            </a:pPr>
-            <a:r>
-              <a:rPr lang="en-US" dirty="0" smtClean="0"/>
-              <a:t>Survey of cortical columns – are they real? [Neuroscience]</a:t>
-            </a:r>
-          </a:p>
-          <a:p>
-            <a:pPr>
-              <a:lnSpc>
-                <a:spcPct val="120000"/>
-              </a:lnSpc>
-              <a:spcBef>
-                <a:spcPts val="200"/>
-              </a:spcBef>
-            </a:pPr>
-            <a:r>
-              <a:rPr lang="en-US" dirty="0" smtClean="0"/>
-              <a:t>** </a:t>
-            </a:r>
-            <a:r>
-              <a:rPr lang="en-US" dirty="0" err="1" smtClean="0"/>
-              <a:t>Neurally</a:t>
-            </a:r>
-            <a:r>
-              <a:rPr lang="en-US" dirty="0" smtClean="0"/>
-              <a:t> inspired algorithms in </a:t>
-            </a:r>
-            <a:r>
-              <a:rPr lang="en-US" dirty="0"/>
-              <a:t>t</a:t>
-            </a:r>
-            <a:r>
-              <a:rPr lang="en-US" dirty="0" smtClean="0"/>
-              <a:t>heory and practice [Neuroscience, Computer Vision]</a:t>
-            </a:r>
-          </a:p>
-          <a:p>
-            <a:pPr>
-              <a:lnSpc>
-                <a:spcPct val="120000"/>
-              </a:lnSpc>
-              <a:spcBef>
-                <a:spcPts val="200"/>
-              </a:spcBef>
-            </a:pPr>
-            <a:endParaRPr lang="en-US" dirty="0" smtClean="0"/>
-          </a:p>
-          <a:p>
-            <a:pPr marL="0" indent="0">
-              <a:lnSpc>
-                <a:spcPct val="120000"/>
-              </a:lnSpc>
-              <a:spcBef>
-                <a:spcPts val="200"/>
-              </a:spcBef>
-              <a:buNone/>
-            </a:pPr>
-            <a:r>
-              <a:rPr lang="en-US" sz="2100" i="1" dirty="0" smtClean="0"/>
-              <a:t>** of high interest to your instructors.  </a:t>
-            </a:r>
-            <a:r>
-              <a:rPr lang="en-US" sz="2100" i="1" dirty="0" smtClean="0">
-                <a:sym typeface="Wingdings"/>
-              </a:rPr>
-              <a:t></a:t>
-            </a:r>
-            <a:endParaRPr lang="en-US" sz="2100" i="1" dirty="0" smtClean="0"/>
-          </a:p>
-          <a:p>
-            <a:pPr>
-              <a:lnSpc>
-                <a:spcPct val="120000"/>
-              </a:lnSpc>
-              <a:spcBef>
-                <a:spcPts val="200"/>
-              </a:spcBef>
-            </a:pPr>
-            <a:endParaRPr lang="en-US" dirty="0"/>
-          </a:p>
-        </p:txBody>
-      </p:sp>
-    </p:spTree>
-    <p:extLst>
-      <p:ext uri="{BB962C8B-B14F-4D97-AF65-F5344CB8AC3E}">
-        <p14:creationId xmlns:p14="http://schemas.microsoft.com/office/powerpoint/2010/main" val="2673539131"/>
-      </p:ext>
-    </p:extLst>
-  </p:cSld>
-  <p:clrMapOvr>
-    <a:masterClrMapping/>
-  </p:clrMapOvr>
-</p:sld>
-</file>
-
-<file path=ppt/slides/slide16.xml><?xml version="1.0" encoding="utf-8"?>
 <p:sld xmlns:a="http://schemas.openxmlformats.org/drawingml/2006/main" xmlns:r="http://schemas.openxmlformats.org/officeDocument/2006/relationships" xmlns:p="http://schemas.openxmlformats.org/presentationml/2006/main">
   <p:cSld>
     <p:spTree>
